--- a/template.pptx
+++ b/template.pptx
@@ -122,6 +122,11 @@
       </a:defRPr>
     </a:lvl9pPr>
   </p:defaultTextStyle>
+  <p:extLst>
+    <p:ext uri="{EFAFB233-063F-42B5-8137-9DF3F51BA10A}">
+      <p15:sldGuideLst xmlns:p15="http://schemas.microsoft.com/office/powerpoint/2012/main"/>
+    </p:ext>
+  </p:extLst>
 </p:presentation>
 </file>
 
@@ -4864,11 +4869,6 @@
               </a:rPr>
               <a:t>baselines</a:t>
             </a:r>
-            <a:endParaRPr lang="en-US" altLang="zh-CN" dirty="0" smtClean="0">
-              <a:solidFill>
-                <a:schemeClr val="accent1"/>
-              </a:solidFill>
-            </a:endParaRPr>
           </a:p>
           <a:p>
             <a:pPr lvl="2"/>
@@ -5854,7 +5854,7 @@
             </a:r>
             <a:r>
               <a:rPr lang="en-US" altLang="zh-CN" dirty="0" smtClean="0"/>
-              <a:t>RQ2</a:t>
+              <a:t>RQ3</a:t>
             </a:r>
             <a:endParaRPr lang="en-AU" dirty="0"/>
           </a:p>
@@ -6184,12 +6184,12 @@
               <a:t> </a:t>
             </a:r>
             <a:r>
-              <a:rPr lang="en-US" altLang="zh-CN" i="1" dirty="0" err="1" smtClean="0">
-                <a:solidFill>
-                  <a:schemeClr val="accent1"/>
-                </a:solidFill>
-              </a:rPr>
-              <a:t>possibe</a:t>
+              <a:rPr lang="en-US" altLang="zh-CN" i="1" dirty="0" smtClean="0">
+                <a:solidFill>
+                  <a:schemeClr val="accent1"/>
+                </a:solidFill>
+              </a:rPr>
+              <a:t>possible</a:t>
             </a:r>
             <a:r>
               <a:rPr lang="zh-CN" altLang="en-US" i="1" dirty="0" smtClean="0">
@@ -6815,7 +6815,39 @@
                   <a:schemeClr val="accent1"/>
                 </a:solidFill>
               </a:rPr>
-              <a:t>At a high level what are the existing works to tackle the problems mentioned in your Paragraph 2, you can summarize the most relevant works (2-3 papers) one by one by following the literature review you done, better follow a story line (what are their relations? one improve another?) </a:t>
+              <a:t>At a high level what are the existing works to tackle the problems mentioned in your </a:t>
+            </a:r>
+            <a:r>
+              <a:rPr lang="en-US" altLang="zh-CN" i="1" dirty="0" smtClean="0">
+                <a:solidFill>
+                  <a:schemeClr val="accent1"/>
+                </a:solidFill>
+              </a:rPr>
+              <a:t>Slide</a:t>
+            </a:r>
+            <a:r>
+              <a:rPr lang="zh-CN" altLang="en-US" i="1" dirty="0" smtClean="0">
+                <a:solidFill>
+                  <a:schemeClr val="accent1"/>
+                </a:solidFill>
+              </a:rPr>
+              <a:t> </a:t>
+            </a:r>
+            <a:r>
+              <a:rPr lang="en-AU" i="1" dirty="0" smtClean="0">
+                <a:solidFill>
+                  <a:schemeClr val="accent1"/>
+                </a:solidFill>
+              </a:rPr>
+              <a:t>2</a:t>
+            </a:r>
+            <a:r>
+              <a:rPr lang="en-AU" i="1" dirty="0" smtClean="0">
+                <a:solidFill>
+                  <a:schemeClr val="accent1"/>
+                </a:solidFill>
+              </a:rPr>
+              <a:t>, you can summarize the most relevant works (2-3 papers) one by one by following the literature review you done, better follow a story line (what are their relations? one improve another?) </a:t>
             </a:r>
             <a:endParaRPr lang="en-AU" i="1" dirty="0">
               <a:solidFill>
@@ -7341,11 +7373,6 @@
               </a:rPr>
               <a:t>2:</a:t>
             </a:r>
-            <a:endParaRPr lang="en-US" altLang="zh-CN" i="1" dirty="0" smtClean="0">
-              <a:solidFill>
-                <a:schemeClr val="accent1"/>
-              </a:solidFill>
-            </a:endParaRPr>
           </a:p>
           <a:p>
             <a:pPr lvl="1"/>
@@ -7373,11 +7400,6 @@
               </a:rPr>
               <a:t>3:</a:t>
             </a:r>
-            <a:endParaRPr lang="en-US" altLang="zh-CN" i="1" dirty="0" smtClean="0">
-              <a:solidFill>
-                <a:schemeClr val="accent1"/>
-              </a:solidFill>
-            </a:endParaRPr>
           </a:p>
         </p:txBody>
       </p:sp>
